--- a/pub/Management/OSGPlanningRetreat/Retreat.pptx
+++ b/pub/Management/OSGPlanningRetreat/Retreat.pptx
@@ -3089,14 +3089,9 @@
   <p:cSld>
     <p:bg>
       <p:bgPr>
-        <a:blipFill rotWithShape="1">
-          <a:blip r:embed="rId2">
-            <a:alphaModFix amt="65000"/>
-          </a:blip>
-          <a:stretch>
-            <a:fillRect/>
-          </a:stretch>
-        </a:blipFill>
+        <a:solidFill>
+          <a:schemeClr val="bg1"/>
+        </a:solidFill>
         <a:effectLst/>
       </p:bgPr>
     </p:bg>
@@ -3211,14 +3206,9 @@
   <p:cSld>
     <p:bg>
       <p:bgPr>
-        <a:blipFill rotWithShape="1">
-          <a:blip r:embed="rId2">
-            <a:alphaModFix amt="65000"/>
-          </a:blip>
-          <a:stretch>
-            <a:fillRect/>
-          </a:stretch>
-        </a:blipFill>
+        <a:solidFill>
+          <a:schemeClr val="bg1"/>
+        </a:solidFill>
         <a:effectLst/>
       </p:bgPr>
     </p:bg>
@@ -3418,14 +3408,9 @@
   <p:cSld>
     <p:bg>
       <p:bgPr>
-        <a:blipFill rotWithShape="1">
-          <a:blip r:embed="rId2">
-            <a:alphaModFix amt="65000"/>
-          </a:blip>
-          <a:stretch>
-            <a:fillRect/>
-          </a:stretch>
-        </a:blipFill>
+        <a:solidFill>
+          <a:schemeClr val="bg1"/>
+        </a:solidFill>
         <a:effectLst/>
       </p:bgPr>
     </p:bg>
@@ -3495,13 +3480,8 @@
           <a:p>
             <a:r>
               <a:rPr lang="en-US" dirty="0" smtClean="0"/>
-              <a:t>Transition from DNS RR to </a:t>
-            </a:r>
-            <a:r>
-              <a:rPr lang="en-US" dirty="0" smtClean="0"/>
-              <a:t>LVS</a:t>
-            </a:r>
-            <a:endParaRPr lang="en-US" dirty="0" smtClean="0"/>
+              <a:t>Transition from DNS RR to LVS</a:t>
+            </a:r>
           </a:p>
           <a:p>
             <a:pPr lvl="1"/>
@@ -3532,31 +3512,14 @@
             </a:r>
             <a:r>
               <a:rPr lang="en-US" dirty="0" smtClean="0"/>
-              <a:t> testing and </a:t>
-            </a:r>
-            <a:r>
-              <a:rPr lang="en-US" dirty="0" smtClean="0"/>
-              <a:t>front end development</a:t>
-            </a:r>
-            <a:endParaRPr lang="en-US" dirty="0" smtClean="0"/>
+              <a:t> testing and front end development</a:t>
+            </a:r>
           </a:p>
           <a:p>
             <a:pPr lvl="1"/>
             <a:r>
               <a:rPr lang="en-US" dirty="0" smtClean="0"/>
-              <a:t>Donated effort from GRNOC </a:t>
-            </a:r>
-            <a:r>
-              <a:rPr lang="en-US" dirty="0" smtClean="0"/>
-              <a:t>for ticketing to </a:t>
-            </a:r>
-            <a:r>
-              <a:rPr lang="en-US" dirty="0" smtClean="0"/>
-              <a:t>allow dedicated </a:t>
-            </a:r>
-            <a:r>
-              <a:rPr lang="en-US" dirty="0" smtClean="0"/>
-              <a:t>effort to </a:t>
+              <a:t>Donated effort from GRNOC for ticketing to allow dedicated effort to </a:t>
             </a:r>
             <a:r>
               <a:rPr lang="en-US" smtClean="0"/>
@@ -3610,14 +3573,9 @@
   <p:cSld>
     <p:bg>
       <p:bgPr>
-        <a:blipFill rotWithShape="1">
-          <a:blip r:embed="rId2">
-            <a:alphaModFix amt="65000"/>
-          </a:blip>
-          <a:stretch>
-            <a:fillRect/>
-          </a:stretch>
-        </a:blipFill>
+        <a:solidFill>
+          <a:schemeClr val="bg1"/>
+        </a:solidFill>
         <a:effectLst/>
       </p:bgPr>
     </p:bg>
@@ -3694,8 +3652,24 @@
             <a:pPr lvl="1"/>
             <a:r>
               <a:rPr lang="en-US" dirty="0" smtClean="0"/>
-              <a:t>No new effort beyond temporary GRNOC donation</a:t>
-            </a:r>
+              <a:t>No new effort beyond temporary GRNOC </a:t>
+            </a:r>
+            <a:r>
+              <a:rPr lang="en-US" dirty="0" smtClean="0"/>
+              <a:t>donation</a:t>
+            </a:r>
+          </a:p>
+          <a:p>
+            <a:pPr lvl="2"/>
+            <a:r>
+              <a:rPr lang="en-US" dirty="0" smtClean="0"/>
+              <a:t>Business Impact Analysis available at Ops </a:t>
+            </a:r>
+            <a:r>
+              <a:rPr lang="en-US" dirty="0" err="1" smtClean="0"/>
+              <a:t>TWiki</a:t>
+            </a:r>
+            <a:endParaRPr lang="en-US" dirty="0" smtClean="0"/>
           </a:p>
           <a:p>
             <a:r>
@@ -3765,14 +3739,9 @@
   <p:cSld>
     <p:bg>
       <p:bgPr>
-        <a:blipFill rotWithShape="1">
-          <a:blip r:embed="rId2">
-            <a:alphaModFix amt="65000"/>
-          </a:blip>
-          <a:stretch>
-            <a:fillRect/>
-          </a:stretch>
-        </a:blipFill>
+        <a:solidFill>
+          <a:schemeClr val="bg1"/>
+        </a:solidFill>
         <a:effectLst/>
       </p:bgPr>
     </p:bg>
@@ -3842,15 +3811,7 @@
           <a:p>
             <a:r>
               <a:rPr lang="en-US" dirty="0" smtClean="0"/>
-              <a:t>Provide infrastructure services at a level that exceeds the SLA </a:t>
-            </a:r>
-            <a:r>
-              <a:rPr lang="en-US" dirty="0" smtClean="0"/>
-              <a:t>commitments </a:t>
-            </a:r>
-            <a:r>
-              <a:rPr lang="en-US" dirty="0" smtClean="0"/>
-              <a:t>(Quick, </a:t>
+              <a:t>Provide infrastructure services at a level that exceeds the SLA commitments (Quick, </a:t>
             </a:r>
             <a:r>
               <a:rPr lang="en-US" dirty="0" err="1" smtClean="0"/>
@@ -3980,14 +3941,9 @@
   <p:cSld>
     <p:bg>
       <p:bgPr>
-        <a:blipFill rotWithShape="1">
-          <a:blip r:embed="rId2">
-            <a:alphaModFix amt="65000"/>
-          </a:blip>
-          <a:stretch>
-            <a:fillRect/>
-          </a:stretch>
-        </a:blipFill>
+        <a:solidFill>
+          <a:schemeClr val="bg1"/>
+        </a:solidFill>
         <a:effectLst/>
       </p:bgPr>
     </p:bg>
@@ -4141,14 +4097,9 @@
   <p:cSld>
     <p:bg>
       <p:bgPr>
-        <a:blipFill rotWithShape="1">
-          <a:blip r:embed="rId2">
-            <a:alphaModFix amt="65000"/>
-          </a:blip>
-          <a:stretch>
-            <a:fillRect/>
-          </a:stretch>
-        </a:blipFill>
+        <a:solidFill>
+          <a:schemeClr val="bg1"/>
+        </a:solidFill>
         <a:effectLst/>
       </p:bgPr>
     </p:bg>
